--- a/docs/notes.pptx
+++ b/docs/notes.pptx
@@ -5,7 +5,7 @@
     <p:sldMasterId id="2147483648" r:id="rId1"/>
   </p:sldMasterIdLst>
   <p:notesMasterIdLst>
-    <p:notesMasterId r:id="rId9"/>
+    <p:notesMasterId r:id="rId15"/>
   </p:notesMasterIdLst>
   <p:sldIdLst>
     <p:sldId id="262" r:id="rId2"/>
@@ -15,6 +15,12 @@
     <p:sldId id="259" r:id="rId6"/>
     <p:sldId id="260" r:id="rId7"/>
     <p:sldId id="261" r:id="rId8"/>
+    <p:sldId id="263" r:id="rId9"/>
+    <p:sldId id="264" r:id="rId10"/>
+    <p:sldId id="265" r:id="rId11"/>
+    <p:sldId id="266" r:id="rId12"/>
+    <p:sldId id="267" r:id="rId13"/>
+    <p:sldId id="268" r:id="rId14"/>
   </p:sldIdLst>
   <p:sldSz cx="9144000" cy="6858000" type="screen4x3"/>
   <p:notesSz cx="6858000" cy="9144000"/>
@@ -198,7 +204,8 @@
           <a:p>
             <a:fld id="{DF523B1F-A42D-4C48-AE63-70F01D0ADE51}" type="datetimeFigureOut">
               <a:rPr lang="en-US" smtClean="0"/>
-              <a:t>9/9/2018</a:t>
+              <a:pPr/>
+              <a:t>9/15/2018</a:t>
             </a:fld>
             <a:endParaRPr lang="en-US"/>
           </a:p>
@@ -359,6 +366,7 @@
           <a:p>
             <a:fld id="{E38C9EA4-6355-4E86-B36D-91A9A1A93BA1}" type="slidenum">
               <a:rPr lang="en-US" smtClean="0"/>
+              <a:pPr/>
               <a:t>‹#›</a:t>
             </a:fld>
             <a:endParaRPr lang="en-US"/>
@@ -530,6 +538,7 @@
           <a:p>
             <a:fld id="{E38C9EA4-6355-4E86-B36D-91A9A1A93BA1}" type="slidenum">
               <a:rPr lang="en-US" smtClean="0"/>
+              <a:pPr/>
               <a:t>5</a:t>
             </a:fld>
             <a:endParaRPr lang="en-US"/>
@@ -726,7 +735,7 @@
             <a:fld id="{1D8BD707-D9CF-40AE-B4C6-C98DA3205C09}" type="datetimeFigureOut">
               <a:rPr lang="en-US" smtClean="0"/>
               <a:pPr/>
-              <a:t>9/9/2018</a:t>
+              <a:t>9/15/2018</a:t>
             </a:fld>
             <a:endParaRPr lang="en-US"/>
           </a:p>
@@ -893,7 +902,7 @@
             <a:fld id="{1D8BD707-D9CF-40AE-B4C6-C98DA3205C09}" type="datetimeFigureOut">
               <a:rPr lang="en-US" smtClean="0"/>
               <a:pPr/>
-              <a:t>9/9/2018</a:t>
+              <a:t>9/15/2018</a:t>
             </a:fld>
             <a:endParaRPr lang="en-US"/>
           </a:p>
@@ -1070,7 +1079,7 @@
             <a:fld id="{1D8BD707-D9CF-40AE-B4C6-C98DA3205C09}" type="datetimeFigureOut">
               <a:rPr lang="en-US" smtClean="0"/>
               <a:pPr/>
-              <a:t>9/9/2018</a:t>
+              <a:t>9/15/2018</a:t>
             </a:fld>
             <a:endParaRPr lang="en-US"/>
           </a:p>
@@ -1237,7 +1246,7 @@
             <a:fld id="{1D8BD707-D9CF-40AE-B4C6-C98DA3205C09}" type="datetimeFigureOut">
               <a:rPr lang="en-US" smtClean="0"/>
               <a:pPr/>
-              <a:t>9/9/2018</a:t>
+              <a:t>9/15/2018</a:t>
             </a:fld>
             <a:endParaRPr lang="en-US"/>
           </a:p>
@@ -1480,7 +1489,7 @@
             <a:fld id="{1D8BD707-D9CF-40AE-B4C6-C98DA3205C09}" type="datetimeFigureOut">
               <a:rPr lang="en-US" smtClean="0"/>
               <a:pPr/>
-              <a:t>9/9/2018</a:t>
+              <a:t>9/15/2018</a:t>
             </a:fld>
             <a:endParaRPr lang="en-US"/>
           </a:p>
@@ -1765,7 +1774,7 @@
             <a:fld id="{1D8BD707-D9CF-40AE-B4C6-C98DA3205C09}" type="datetimeFigureOut">
               <a:rPr lang="en-US" smtClean="0"/>
               <a:pPr/>
-              <a:t>9/9/2018</a:t>
+              <a:t>9/15/2018</a:t>
             </a:fld>
             <a:endParaRPr lang="en-US"/>
           </a:p>
@@ -2184,7 +2193,7 @@
             <a:fld id="{1D8BD707-D9CF-40AE-B4C6-C98DA3205C09}" type="datetimeFigureOut">
               <a:rPr lang="en-US" smtClean="0"/>
               <a:pPr/>
-              <a:t>9/9/2018</a:t>
+              <a:t>9/15/2018</a:t>
             </a:fld>
             <a:endParaRPr lang="en-US"/>
           </a:p>
@@ -2299,7 +2308,7 @@
             <a:fld id="{1D8BD707-D9CF-40AE-B4C6-C98DA3205C09}" type="datetimeFigureOut">
               <a:rPr lang="en-US" smtClean="0"/>
               <a:pPr/>
-              <a:t>9/9/2018</a:t>
+              <a:t>9/15/2018</a:t>
             </a:fld>
             <a:endParaRPr lang="en-US"/>
           </a:p>
@@ -2391,7 +2400,7 @@
             <a:fld id="{1D8BD707-D9CF-40AE-B4C6-C98DA3205C09}" type="datetimeFigureOut">
               <a:rPr lang="en-US" smtClean="0"/>
               <a:pPr/>
-              <a:t>9/9/2018</a:t>
+              <a:t>9/15/2018</a:t>
             </a:fld>
             <a:endParaRPr lang="en-US"/>
           </a:p>
@@ -2665,7 +2674,7 @@
             <a:fld id="{1D8BD707-D9CF-40AE-B4C6-C98DA3205C09}" type="datetimeFigureOut">
               <a:rPr lang="en-US" smtClean="0"/>
               <a:pPr/>
-              <a:t>9/9/2018</a:t>
+              <a:t>9/15/2018</a:t>
             </a:fld>
             <a:endParaRPr lang="en-US"/>
           </a:p>
@@ -2915,7 +2924,7 @@
             <a:fld id="{1D8BD707-D9CF-40AE-B4C6-C98DA3205C09}" type="datetimeFigureOut">
               <a:rPr lang="en-US" smtClean="0"/>
               <a:pPr/>
-              <a:t>9/9/2018</a:t>
+              <a:t>9/15/2018</a:t>
             </a:fld>
             <a:endParaRPr lang="en-US"/>
           </a:p>
@@ -3125,7 +3134,7 @@
             <a:fld id="{1D8BD707-D9CF-40AE-B4C6-C98DA3205C09}" type="datetimeFigureOut">
               <a:rPr lang="en-US" smtClean="0"/>
               <a:pPr/>
-              <a:t>9/9/2018</a:t>
+              <a:t>9/15/2018</a:t>
             </a:fld>
             <a:endParaRPr lang="en-US"/>
           </a:p>
@@ -3562,6 +3571,423 @@
           <a:effectLst/>
         </p:spPr>
       </p:pic>
+      <p:sp>
+        <p:nvSpPr>
+          <p:cNvPr id="5" name="TextBox 4"/>
+          <p:cNvSpPr txBox="1"/>
+          <p:nvPr/>
+        </p:nvSpPr>
+        <p:spPr>
+          <a:xfrm>
+            <a:off x="1219200" y="838200"/>
+            <a:ext cx="990600" cy="246221"/>
+          </a:xfrm>
+          <a:prstGeom prst="rect">
+            <a:avLst/>
+          </a:prstGeom>
+          <a:noFill/>
+        </p:spPr>
+        <p:txBody>
+          <a:bodyPr wrap="square" rtlCol="0">
+            <a:spAutoFit/>
+          </a:bodyPr>
+          <a:lstStyle/>
+          <a:p>
+            <a:r>
+              <a:rPr lang="en-US" sz="1000" dirty="0" smtClean="0"/>
+              <a:t>14 pins vga</a:t>
+            </a:r>
+            <a:endParaRPr lang="en-US" sz="1000" dirty="0"/>
+          </a:p>
+        </p:txBody>
+      </p:sp>
+      <p:sp>
+        <p:nvSpPr>
+          <p:cNvPr id="6" name="TextBox 5"/>
+          <p:cNvSpPr txBox="1"/>
+          <p:nvPr/>
+        </p:nvSpPr>
+        <p:spPr>
+          <a:xfrm>
+            <a:off x="1295400" y="1295400"/>
+            <a:ext cx="990600" cy="246221"/>
+          </a:xfrm>
+          <a:prstGeom prst="rect">
+            <a:avLst/>
+          </a:prstGeom>
+          <a:noFill/>
+        </p:spPr>
+        <p:txBody>
+          <a:bodyPr wrap="square" rtlCol="0">
+            <a:spAutoFit/>
+          </a:bodyPr>
+          <a:lstStyle/>
+          <a:p>
+            <a:r>
+              <a:rPr lang="en-US" sz="1000" dirty="0" smtClean="0"/>
+              <a:t>29 pins sram</a:t>
+            </a:r>
+            <a:endParaRPr lang="en-US" sz="1000" dirty="0"/>
+          </a:p>
+        </p:txBody>
+      </p:sp>
+      <p:sp>
+        <p:nvSpPr>
+          <p:cNvPr id="7" name="TextBox 6"/>
+          <p:cNvSpPr txBox="1"/>
+          <p:nvPr/>
+        </p:nvSpPr>
+        <p:spPr>
+          <a:xfrm>
+            <a:off x="1371600" y="1524000"/>
+            <a:ext cx="990600" cy="246221"/>
+          </a:xfrm>
+          <a:prstGeom prst="rect">
+            <a:avLst/>
+          </a:prstGeom>
+          <a:noFill/>
+        </p:spPr>
+        <p:txBody>
+          <a:bodyPr wrap="square" rtlCol="0">
+            <a:spAutoFit/>
+          </a:bodyPr>
+          <a:lstStyle/>
+          <a:p>
+            <a:r>
+              <a:rPr lang="en-US" sz="1000" dirty="0" smtClean="0"/>
+              <a:t>4 pins sdcard</a:t>
+            </a:r>
+            <a:endParaRPr lang="en-US" sz="1000" dirty="0"/>
+          </a:p>
+        </p:txBody>
+      </p:sp>
+      <p:sp>
+        <p:nvSpPr>
+          <p:cNvPr id="8" name="TextBox 7"/>
+          <p:cNvSpPr txBox="1"/>
+          <p:nvPr/>
+        </p:nvSpPr>
+        <p:spPr>
+          <a:xfrm>
+            <a:off x="1371600" y="1981200"/>
+            <a:ext cx="1447800" cy="246221"/>
+          </a:xfrm>
+          <a:prstGeom prst="rect">
+            <a:avLst/>
+          </a:prstGeom>
+          <a:noFill/>
+        </p:spPr>
+        <p:txBody>
+          <a:bodyPr wrap="square" rtlCol="0">
+            <a:spAutoFit/>
+          </a:bodyPr>
+          <a:lstStyle/>
+          <a:p>
+            <a:r>
+              <a:rPr lang="en-US" sz="1000" dirty="0" smtClean="0"/>
+              <a:t>11 pins jamma io P1</a:t>
+            </a:r>
+            <a:endParaRPr lang="en-US" sz="1000" dirty="0"/>
+          </a:p>
+        </p:txBody>
+      </p:sp>
+      <p:sp>
+        <p:nvSpPr>
+          <p:cNvPr id="9" name="TextBox 8"/>
+          <p:cNvSpPr txBox="1"/>
+          <p:nvPr/>
+        </p:nvSpPr>
+        <p:spPr>
+          <a:xfrm>
+            <a:off x="4038600" y="1524000"/>
+            <a:ext cx="1805302" cy="369332"/>
+          </a:xfrm>
+          <a:prstGeom prst="rect">
+            <a:avLst/>
+          </a:prstGeom>
+          <a:noFill/>
+        </p:spPr>
+        <p:txBody>
+          <a:bodyPr wrap="none" rtlCol="0">
+            <a:spAutoFit/>
+          </a:bodyPr>
+          <a:lstStyle/>
+          <a:p>
+            <a:r>
+              <a:rPr lang="en-US" dirty="0" smtClean="0"/>
+              <a:t>58 pinos! + audio</a:t>
+            </a:r>
+            <a:endParaRPr lang="en-US" dirty="0"/>
+          </a:p>
+        </p:txBody>
+      </p:sp>
+      <p:sp>
+        <p:nvSpPr>
+          <p:cNvPr id="10" name="TextBox 9"/>
+          <p:cNvSpPr txBox="1"/>
+          <p:nvPr/>
+        </p:nvSpPr>
+        <p:spPr>
+          <a:xfrm>
+            <a:off x="1447800" y="2514600"/>
+            <a:ext cx="1447800" cy="246221"/>
+          </a:xfrm>
+          <a:prstGeom prst="rect">
+            <a:avLst/>
+          </a:prstGeom>
+          <a:noFill/>
+        </p:spPr>
+        <p:txBody>
+          <a:bodyPr wrap="square" rtlCol="0">
+            <a:spAutoFit/>
+          </a:bodyPr>
+          <a:lstStyle/>
+          <a:p>
+            <a:r>
+              <a:rPr lang="en-US" sz="1000" dirty="0" smtClean="0"/>
+              <a:t>?? Pins  audio</a:t>
+            </a:r>
+            <a:endParaRPr lang="en-US" sz="1000" dirty="0"/>
+          </a:p>
+        </p:txBody>
+      </p:sp>
+    </p:spTree>
+  </p:cSld>
+  <p:clrMapOvr>
+    <a:masterClrMapping/>
+  </p:clrMapOvr>
+</p:sld>
+</file>
+
+<file path=ppt/slides/slide10.xml><?xml version="1.0" encoding="utf-8"?>
+<p:sld xmlns:a="http://schemas.openxmlformats.org/drawingml/2006/main" xmlns:r="http://schemas.openxmlformats.org/officeDocument/2006/relationships" xmlns:p="http://schemas.openxmlformats.org/presentationml/2006/main">
+  <p:cSld>
+    <p:spTree>
+      <p:nvGrpSpPr>
+        <p:cNvPr id="1" name=""/>
+        <p:cNvGrpSpPr/>
+        <p:nvPr/>
+      </p:nvGrpSpPr>
+      <p:grpSpPr>
+        <a:xfrm>
+          <a:off x="0" y="0"/>
+          <a:ext cx="0" cy="0"/>
+          <a:chOff x="0" y="0"/>
+          <a:chExt cx="0" cy="0"/>
+        </a:xfrm>
+      </p:grpSpPr>
+      <p:pic>
+        <p:nvPicPr>
+          <p:cNvPr id="4" name="Picture 6" descr="Imagem relacionada"/>
+          <p:cNvPicPr>
+            <a:picLocks noChangeAspect="1" noChangeArrowheads="1"/>
+          </p:cNvPicPr>
+          <p:nvPr/>
+        </p:nvPicPr>
+        <p:blipFill>
+          <a:blip r:embed="rId2"/>
+          <a:srcRect/>
+          <a:stretch>
+            <a:fillRect/>
+          </a:stretch>
+        </p:blipFill>
+        <p:spPr bwMode="auto">
+          <a:xfrm>
+            <a:off x="838200" y="914400"/>
+            <a:ext cx="7362825" cy="4949737"/>
+          </a:xfrm>
+          <a:prstGeom prst="rect">
+            <a:avLst/>
+          </a:prstGeom>
+          <a:noFill/>
+        </p:spPr>
+      </p:pic>
+    </p:spTree>
+  </p:cSld>
+  <p:clrMapOvr>
+    <a:masterClrMapping/>
+  </p:clrMapOvr>
+</p:sld>
+</file>
+
+<file path=ppt/slides/slide11.xml><?xml version="1.0" encoding="utf-8"?>
+<p:sld xmlns:a="http://schemas.openxmlformats.org/drawingml/2006/main" xmlns:r="http://schemas.openxmlformats.org/officeDocument/2006/relationships" xmlns:p="http://schemas.openxmlformats.org/presentationml/2006/main">
+  <p:cSld>
+    <p:spTree>
+      <p:nvGrpSpPr>
+        <p:cNvPr id="1" name=""/>
+        <p:cNvGrpSpPr/>
+        <p:nvPr/>
+      </p:nvGrpSpPr>
+      <p:grpSpPr>
+        <a:xfrm>
+          <a:off x="0" y="0"/>
+          <a:ext cx="0" cy="0"/>
+          <a:chOff x="0" y="0"/>
+          <a:chExt cx="0" cy="0"/>
+        </a:xfrm>
+      </p:grpSpPr>
+      <p:pic>
+        <p:nvPicPr>
+          <p:cNvPr id="24578" name="Picture 2" descr="Resultado de imagem para vga fpga"/>
+          <p:cNvPicPr>
+            <a:picLocks noChangeAspect="1" noChangeArrowheads="1"/>
+          </p:cNvPicPr>
+          <p:nvPr/>
+        </p:nvPicPr>
+        <p:blipFill>
+          <a:blip r:embed="rId2"/>
+          <a:srcRect/>
+          <a:stretch>
+            <a:fillRect/>
+          </a:stretch>
+        </p:blipFill>
+        <p:spPr bwMode="auto">
+          <a:xfrm>
+            <a:off x="685800" y="0"/>
+            <a:ext cx="7229475" cy="3842366"/>
+          </a:xfrm>
+          <a:prstGeom prst="rect">
+            <a:avLst/>
+          </a:prstGeom>
+          <a:noFill/>
+        </p:spPr>
+      </p:pic>
+      <p:pic>
+        <p:nvPicPr>
+          <p:cNvPr id="24580" name="Picture 4" descr="Resultado de imagem para vga fpga"/>
+          <p:cNvPicPr>
+            <a:picLocks noChangeAspect="1" noChangeArrowheads="1"/>
+          </p:cNvPicPr>
+          <p:nvPr/>
+        </p:nvPicPr>
+        <p:blipFill>
+          <a:blip r:embed="rId3"/>
+          <a:srcRect/>
+          <a:stretch>
+            <a:fillRect/>
+          </a:stretch>
+        </p:blipFill>
+        <p:spPr bwMode="auto">
+          <a:xfrm>
+            <a:off x="1295400" y="3632468"/>
+            <a:ext cx="4648200" cy="3225532"/>
+          </a:xfrm>
+          <a:prstGeom prst="rect">
+            <a:avLst/>
+          </a:prstGeom>
+          <a:noFill/>
+        </p:spPr>
+      </p:pic>
+    </p:spTree>
+  </p:cSld>
+  <p:clrMapOvr>
+    <a:masterClrMapping/>
+  </p:clrMapOvr>
+</p:sld>
+</file>
+
+<file path=ppt/slides/slide12.xml><?xml version="1.0" encoding="utf-8"?>
+<p:sld xmlns:a="http://schemas.openxmlformats.org/drawingml/2006/main" xmlns:r="http://schemas.openxmlformats.org/officeDocument/2006/relationships" xmlns:p="http://schemas.openxmlformats.org/presentationml/2006/main">
+  <p:cSld>
+    <p:spTree>
+      <p:nvGrpSpPr>
+        <p:cNvPr id="1" name=""/>
+        <p:cNvGrpSpPr/>
+        <p:nvPr/>
+      </p:nvGrpSpPr>
+      <p:grpSpPr>
+        <a:xfrm>
+          <a:off x="0" y="0"/>
+          <a:ext cx="0" cy="0"/>
+          <a:chOff x="0" y="0"/>
+          <a:chExt cx="0" cy="0"/>
+        </a:xfrm>
+      </p:grpSpPr>
+      <p:pic>
+        <p:nvPicPr>
+          <p:cNvPr id="26626" name="Picture 2" descr="Image"/>
+          <p:cNvPicPr>
+            <a:picLocks noChangeAspect="1" noChangeArrowheads="1"/>
+          </p:cNvPicPr>
+          <p:nvPr/>
+        </p:nvPicPr>
+        <p:blipFill>
+          <a:blip r:embed="rId2"/>
+          <a:srcRect/>
+          <a:stretch>
+            <a:fillRect/>
+          </a:stretch>
+        </p:blipFill>
+        <p:spPr bwMode="auto">
+          <a:xfrm>
+            <a:off x="533400" y="685800"/>
+            <a:ext cx="7772400" cy="2626222"/>
+          </a:xfrm>
+          <a:prstGeom prst="rect">
+            <a:avLst/>
+          </a:prstGeom>
+          <a:noFill/>
+        </p:spPr>
+      </p:pic>
+    </p:spTree>
+  </p:cSld>
+  <p:clrMapOvr>
+    <a:masterClrMapping/>
+  </p:clrMapOvr>
+</p:sld>
+</file>
+
+<file path=ppt/slides/slide13.xml><?xml version="1.0" encoding="utf-8"?>
+<p:sld xmlns:a="http://schemas.openxmlformats.org/drawingml/2006/main" xmlns:r="http://schemas.openxmlformats.org/officeDocument/2006/relationships" xmlns:p="http://schemas.openxmlformats.org/presentationml/2006/main">
+  <p:cSld>
+    <p:spTree>
+      <p:nvGrpSpPr>
+        <p:cNvPr id="1" name=""/>
+        <p:cNvGrpSpPr/>
+        <p:nvPr/>
+      </p:nvGrpSpPr>
+      <p:grpSpPr>
+        <a:xfrm>
+          <a:off x="0" y="0"/>
+          <a:ext cx="0" cy="0"/>
+          <a:chOff x="0" y="0"/>
+          <a:chExt cx="0" cy="0"/>
+        </a:xfrm>
+      </p:grpSpPr>
+      <p:pic>
+        <p:nvPicPr>
+          <p:cNvPr id="27650" name="Picture 2"/>
+          <p:cNvPicPr>
+            <a:picLocks noChangeAspect="1" noChangeArrowheads="1"/>
+          </p:cNvPicPr>
+          <p:nvPr/>
+        </p:nvPicPr>
+        <p:blipFill>
+          <a:blip r:embed="rId2"/>
+          <a:srcRect/>
+          <a:stretch>
+            <a:fillRect/>
+          </a:stretch>
+        </p:blipFill>
+        <p:spPr bwMode="auto">
+          <a:xfrm>
+            <a:off x="533400" y="533400"/>
+            <a:ext cx="7561263" cy="5949417"/>
+          </a:xfrm>
+          <a:prstGeom prst="rect">
+            <a:avLst/>
+          </a:prstGeom>
+          <a:noFill/>
+          <a:ln w="9525">
+            <a:noFill/>
+            <a:miter lim="800000"/>
+            <a:headEnd/>
+            <a:tailEnd/>
+          </a:ln>
+          <a:effectLst/>
+        </p:spPr>
+      </p:pic>
     </p:spTree>
   </p:cSld>
   <p:clrMapOvr>
@@ -3962,6 +4388,167 @@
             <a:tailEnd/>
           </a:ln>
           <a:effectLst/>
+        </p:spPr>
+      </p:pic>
+    </p:spTree>
+  </p:cSld>
+  <p:clrMapOvr>
+    <a:masterClrMapping/>
+  </p:clrMapOvr>
+</p:sld>
+</file>
+
+<file path=ppt/slides/slide8.xml><?xml version="1.0" encoding="utf-8"?>
+<p:sld xmlns:a="http://schemas.openxmlformats.org/drawingml/2006/main" xmlns:r="http://schemas.openxmlformats.org/officeDocument/2006/relationships" xmlns:p="http://schemas.openxmlformats.org/presentationml/2006/main">
+  <p:cSld>
+    <p:spTree>
+      <p:nvGrpSpPr>
+        <p:cNvPr id="1" name=""/>
+        <p:cNvGrpSpPr/>
+        <p:nvPr/>
+      </p:nvGrpSpPr>
+      <p:grpSpPr>
+        <a:xfrm>
+          <a:off x="0" y="0"/>
+          <a:ext cx="0" cy="0"/>
+          <a:chOff x="0" y="0"/>
+          <a:chExt cx="0" cy="0"/>
+        </a:xfrm>
+      </p:grpSpPr>
+      <p:pic>
+        <p:nvPicPr>
+          <p:cNvPr id="1026" name="Picture 2"/>
+          <p:cNvPicPr>
+            <a:picLocks noChangeAspect="1" noChangeArrowheads="1"/>
+          </p:cNvPicPr>
+          <p:nvPr/>
+        </p:nvPicPr>
+        <p:blipFill>
+          <a:blip r:embed="rId2"/>
+          <a:srcRect/>
+          <a:stretch>
+            <a:fillRect/>
+          </a:stretch>
+        </p:blipFill>
+        <p:spPr bwMode="auto">
+          <a:xfrm>
+            <a:off x="1828800" y="0"/>
+            <a:ext cx="3505200" cy="1897164"/>
+          </a:xfrm>
+          <a:prstGeom prst="rect">
+            <a:avLst/>
+          </a:prstGeom>
+          <a:noFill/>
+          <a:ln w="9525">
+            <a:noFill/>
+            <a:miter lim="800000"/>
+            <a:headEnd/>
+            <a:tailEnd/>
+          </a:ln>
+          <a:effectLst/>
+        </p:spPr>
+      </p:pic>
+      <p:pic>
+        <p:nvPicPr>
+          <p:cNvPr id="6" name="Picture 4" descr="Resultado de imagem para vga fpga"/>
+          <p:cNvPicPr>
+            <a:picLocks noChangeAspect="1" noChangeArrowheads="1"/>
+          </p:cNvPicPr>
+          <p:nvPr/>
+        </p:nvPicPr>
+        <p:blipFill>
+          <a:blip r:embed="rId3"/>
+          <a:srcRect/>
+          <a:stretch>
+            <a:fillRect/>
+          </a:stretch>
+        </p:blipFill>
+        <p:spPr bwMode="auto">
+          <a:xfrm>
+            <a:off x="457200" y="2272159"/>
+            <a:ext cx="8229600" cy="4585841"/>
+          </a:xfrm>
+          <a:prstGeom prst="rect">
+            <a:avLst/>
+          </a:prstGeom>
+          <a:noFill/>
+        </p:spPr>
+      </p:pic>
+    </p:spTree>
+  </p:cSld>
+  <p:clrMapOvr>
+    <a:masterClrMapping/>
+  </p:clrMapOvr>
+</p:sld>
+</file>
+
+<file path=ppt/slides/slide9.xml><?xml version="1.0" encoding="utf-8"?>
+<p:sld xmlns:a="http://schemas.openxmlformats.org/drawingml/2006/main" xmlns:r="http://schemas.openxmlformats.org/officeDocument/2006/relationships" xmlns:p="http://schemas.openxmlformats.org/presentationml/2006/main">
+  <p:cSld>
+    <p:spTree>
+      <p:nvGrpSpPr>
+        <p:cNvPr id="1" name=""/>
+        <p:cNvGrpSpPr/>
+        <p:nvPr/>
+      </p:nvGrpSpPr>
+      <p:grpSpPr>
+        <a:xfrm>
+          <a:off x="0" y="0"/>
+          <a:ext cx="0" cy="0"/>
+          <a:chOff x="0" y="0"/>
+          <a:chExt cx="0" cy="0"/>
+        </a:xfrm>
+      </p:grpSpPr>
+      <p:pic>
+        <p:nvPicPr>
+          <p:cNvPr id="23554" name="Picture 2" descr="Resultado de imagem para vga fpga"/>
+          <p:cNvPicPr>
+            <a:picLocks noChangeAspect="1" noChangeArrowheads="1"/>
+          </p:cNvPicPr>
+          <p:nvPr/>
+        </p:nvPicPr>
+        <p:blipFill>
+          <a:blip r:embed="rId2"/>
+          <a:srcRect/>
+          <a:stretch>
+            <a:fillRect/>
+          </a:stretch>
+        </p:blipFill>
+        <p:spPr bwMode="auto">
+          <a:xfrm>
+            <a:off x="2057400" y="2895600"/>
+            <a:ext cx="4343400" cy="3365567"/>
+          </a:xfrm>
+          <a:prstGeom prst="rect">
+            <a:avLst/>
+          </a:prstGeom>
+          <a:noFill/>
+        </p:spPr>
+      </p:pic>
+      <p:pic>
+        <p:nvPicPr>
+          <p:cNvPr id="23556" name="Picture 4" descr="Resultado de imagem para vga fpga"/>
+          <p:cNvPicPr>
+            <a:picLocks noChangeAspect="1" noChangeArrowheads="1"/>
+          </p:cNvPicPr>
+          <p:nvPr/>
+        </p:nvPicPr>
+        <p:blipFill>
+          <a:blip r:embed="rId3"/>
+          <a:srcRect/>
+          <a:stretch>
+            <a:fillRect/>
+          </a:stretch>
+        </p:blipFill>
+        <p:spPr bwMode="auto">
+          <a:xfrm>
+            <a:off x="1524000" y="533400"/>
+            <a:ext cx="5257800" cy="2443865"/>
+          </a:xfrm>
+          <a:prstGeom prst="rect">
+            <a:avLst/>
+          </a:prstGeom>
+          <a:noFill/>
         </p:spPr>
       </p:pic>
     </p:spTree>

--- a/docs/notes.pptx
+++ b/docs/notes.pptx
@@ -205,7 +205,7 @@
             <a:fld id="{DF523B1F-A42D-4C48-AE63-70F01D0ADE51}" type="datetimeFigureOut">
               <a:rPr lang="en-US" smtClean="0"/>
               <a:pPr/>
-              <a:t>9/15/2018</a:t>
+              <a:t>9/24/2018</a:t>
             </a:fld>
             <a:endParaRPr lang="en-US"/>
           </a:p>
@@ -735,7 +735,7 @@
             <a:fld id="{1D8BD707-D9CF-40AE-B4C6-C98DA3205C09}" type="datetimeFigureOut">
               <a:rPr lang="en-US" smtClean="0"/>
               <a:pPr/>
-              <a:t>9/15/2018</a:t>
+              <a:t>9/24/2018</a:t>
             </a:fld>
             <a:endParaRPr lang="en-US"/>
           </a:p>
@@ -902,7 +902,7 @@
             <a:fld id="{1D8BD707-D9CF-40AE-B4C6-C98DA3205C09}" type="datetimeFigureOut">
               <a:rPr lang="en-US" smtClean="0"/>
               <a:pPr/>
-              <a:t>9/15/2018</a:t>
+              <a:t>9/24/2018</a:t>
             </a:fld>
             <a:endParaRPr lang="en-US"/>
           </a:p>
@@ -1079,7 +1079,7 @@
             <a:fld id="{1D8BD707-D9CF-40AE-B4C6-C98DA3205C09}" type="datetimeFigureOut">
               <a:rPr lang="en-US" smtClean="0"/>
               <a:pPr/>
-              <a:t>9/15/2018</a:t>
+              <a:t>9/24/2018</a:t>
             </a:fld>
             <a:endParaRPr lang="en-US"/>
           </a:p>
@@ -1246,7 +1246,7 @@
             <a:fld id="{1D8BD707-D9CF-40AE-B4C6-C98DA3205C09}" type="datetimeFigureOut">
               <a:rPr lang="en-US" smtClean="0"/>
               <a:pPr/>
-              <a:t>9/15/2018</a:t>
+              <a:t>9/24/2018</a:t>
             </a:fld>
             <a:endParaRPr lang="en-US"/>
           </a:p>
@@ -1489,7 +1489,7 @@
             <a:fld id="{1D8BD707-D9CF-40AE-B4C6-C98DA3205C09}" type="datetimeFigureOut">
               <a:rPr lang="en-US" smtClean="0"/>
               <a:pPr/>
-              <a:t>9/15/2018</a:t>
+              <a:t>9/24/2018</a:t>
             </a:fld>
             <a:endParaRPr lang="en-US"/>
           </a:p>
@@ -1774,7 +1774,7 @@
             <a:fld id="{1D8BD707-D9CF-40AE-B4C6-C98DA3205C09}" type="datetimeFigureOut">
               <a:rPr lang="en-US" smtClean="0"/>
               <a:pPr/>
-              <a:t>9/15/2018</a:t>
+              <a:t>9/24/2018</a:t>
             </a:fld>
             <a:endParaRPr lang="en-US"/>
           </a:p>
@@ -2193,7 +2193,7 @@
             <a:fld id="{1D8BD707-D9CF-40AE-B4C6-C98DA3205C09}" type="datetimeFigureOut">
               <a:rPr lang="en-US" smtClean="0"/>
               <a:pPr/>
-              <a:t>9/15/2018</a:t>
+              <a:t>9/24/2018</a:t>
             </a:fld>
             <a:endParaRPr lang="en-US"/>
           </a:p>
@@ -2308,7 +2308,7 @@
             <a:fld id="{1D8BD707-D9CF-40AE-B4C6-C98DA3205C09}" type="datetimeFigureOut">
               <a:rPr lang="en-US" smtClean="0"/>
               <a:pPr/>
-              <a:t>9/15/2018</a:t>
+              <a:t>9/24/2018</a:t>
             </a:fld>
             <a:endParaRPr lang="en-US"/>
           </a:p>
@@ -2400,7 +2400,7 @@
             <a:fld id="{1D8BD707-D9CF-40AE-B4C6-C98DA3205C09}" type="datetimeFigureOut">
               <a:rPr lang="en-US" smtClean="0"/>
               <a:pPr/>
-              <a:t>9/15/2018</a:t>
+              <a:t>9/24/2018</a:t>
             </a:fld>
             <a:endParaRPr lang="en-US"/>
           </a:p>
@@ -2674,7 +2674,7 @@
             <a:fld id="{1D8BD707-D9CF-40AE-B4C6-C98DA3205C09}" type="datetimeFigureOut">
               <a:rPr lang="en-US" smtClean="0"/>
               <a:pPr/>
-              <a:t>9/15/2018</a:t>
+              <a:t>9/24/2018</a:t>
             </a:fld>
             <a:endParaRPr lang="en-US"/>
           </a:p>
@@ -2924,7 +2924,7 @@
             <a:fld id="{1D8BD707-D9CF-40AE-B4C6-C98DA3205C09}" type="datetimeFigureOut">
               <a:rPr lang="en-US" smtClean="0"/>
               <a:pPr/>
-              <a:t>9/15/2018</a:t>
+              <a:t>9/24/2018</a:t>
             </a:fld>
             <a:endParaRPr lang="en-US"/>
           </a:p>
@@ -3134,7 +3134,7 @@
             <a:fld id="{1D8BD707-D9CF-40AE-B4C6-C98DA3205C09}" type="datetimeFigureOut">
               <a:rPr lang="en-US" smtClean="0"/>
               <a:pPr/>
-              <a:t>9/15/2018</a:t>
+              <a:t>9/24/2018</a:t>
             </a:fld>
             <a:endParaRPr lang="en-US"/>
           </a:p>
@@ -4516,7 +4516,7 @@
         </p:blipFill>
         <p:spPr bwMode="auto">
           <a:xfrm>
-            <a:off x="2057400" y="2895600"/>
+            <a:off x="685800" y="3200400"/>
             <a:ext cx="4343400" cy="3365567"/>
           </a:xfrm>
           <a:prstGeom prst="rect">
@@ -4544,6 +4544,32 @@
           <a:xfrm>
             <a:off x="1524000" y="533400"/>
             <a:ext cx="5257800" cy="2443865"/>
+          </a:xfrm>
+          <a:prstGeom prst="rect">
+            <a:avLst/>
+          </a:prstGeom>
+          <a:noFill/>
+        </p:spPr>
+      </p:pic>
+      <p:pic>
+        <p:nvPicPr>
+          <p:cNvPr id="5122" name="Picture 2" descr="Image result for circuito r2r 8 bits"/>
+          <p:cNvPicPr>
+            <a:picLocks noChangeAspect="1" noChangeArrowheads="1"/>
+          </p:cNvPicPr>
+          <p:nvPr/>
+        </p:nvPicPr>
+        <p:blipFill>
+          <a:blip r:embed="rId4"/>
+          <a:srcRect/>
+          <a:stretch>
+            <a:fillRect/>
+          </a:stretch>
+        </p:blipFill>
+        <p:spPr bwMode="auto">
+          <a:xfrm>
+            <a:off x="5410200" y="3505200"/>
+            <a:ext cx="2514600" cy="1326193"/>
           </a:xfrm>
           <a:prstGeom prst="rect">
             <a:avLst/>
